--- a/第15-17周 项目汇报ppt+项目验收报告+用户操作手册+项目设计文档/软件课程设计项目汇报.pptx
+++ b/第15-17周 项目汇报ppt+项目验收报告+用户操作手册+项目设计文档/软件课程设计项目汇报.pptx
@@ -5,7 +5,7 @@
     <p:sldMasterId id="2147483648" r:id="rId1"/>
   </p:sldMasterIdLst>
   <p:notesMasterIdLst>
-    <p:notesMasterId r:id="rId16"/>
+    <p:notesMasterId r:id="rId17"/>
   </p:notesMasterIdLst>
   <p:sldIdLst>
     <p:sldId id="256" r:id="rId3"/>
@@ -19,8 +19,9 @@
     <p:sldId id="297" r:id="rId11"/>
     <p:sldId id="299" r:id="rId12"/>
     <p:sldId id="298" r:id="rId13"/>
-    <p:sldId id="285" r:id="rId14"/>
-    <p:sldId id="282" r:id="rId15"/>
+    <p:sldId id="304" r:id="rId14"/>
+    <p:sldId id="285" r:id="rId15"/>
+    <p:sldId id="282" r:id="rId16"/>
   </p:sldIdLst>
   <p:sldSz cx="12192000" cy="6858000"/>
   <p:notesSz cx="6858000" cy="9144000"/>
@@ -1736,7 +1737,7 @@
         </p:nvSpPr>
         <p:spPr>
           <a:xfrm>
-            <a:off x="7645059" y="4623237"/>
+            <a:off x="5526699" y="4708962"/>
             <a:ext cx="2372851" cy="398780"/>
           </a:xfrm>
           <a:prstGeom prst="rect">
@@ -1758,7 +1759,7 @@
                 <a:cs typeface="+mn-ea"/>
                 <a:sym typeface="+mn-lt"/>
               </a:rPr>
-              <a:t>答辩人</a:t>
+              <a:t>汇报人</a:t>
             </a:r>
             <a:r>
               <a:rPr lang="zh-CN" altLang="en-US" sz="2000" b="1" dirty="0" smtClean="0">
@@ -1780,51 +1781,9 @@
           </a:p>
         </p:txBody>
       </p:sp>
-      <p:sp>
-        <p:nvSpPr>
-          <p:cNvPr id="21" name="文本框 20"/>
-          <p:cNvSpPr txBox="1"/>
-          <p:nvPr/>
-        </p:nvSpPr>
-        <p:spPr>
-          <a:xfrm>
-            <a:off x="2869946" y="4623237"/>
-            <a:ext cx="2589766" cy="400110"/>
-          </a:xfrm>
-          <a:prstGeom prst="rect">
-            <a:avLst/>
-          </a:prstGeom>
-          <a:noFill/>
-        </p:spPr>
-        <p:txBody>
-          <a:bodyPr wrap="square" rtlCol="0">
-            <a:spAutoFit/>
-          </a:bodyPr>
-          <a:lstStyle/>
-          <a:p>
-            <a:r>
-              <a:rPr lang="zh-CN" altLang="en-US" sz="2000" b="1" dirty="0" smtClean="0">
-                <a:solidFill>
-                  <a:srgbClr val="484848"/>
-                </a:solidFill>
-                <a:cs typeface="+mn-ea"/>
-                <a:sym typeface="+mn-lt"/>
-              </a:rPr>
-              <a:t>指导老师：周绪川</a:t>
-            </a:r>
-            <a:endParaRPr lang="zh-CN" altLang="en-US" sz="2000" b="1" dirty="0">
-              <a:solidFill>
-                <a:srgbClr val="484848"/>
-              </a:solidFill>
-              <a:cs typeface="+mn-ea"/>
-              <a:sym typeface="+mn-lt"/>
-            </a:endParaRPr>
-          </a:p>
-        </p:txBody>
-      </p:sp>
       <p:pic>
         <p:nvPicPr>
-          <p:cNvPr id="23" name="图片 22"/>
+          <p:cNvPr id="25" name="图片 24"/>
           <p:cNvPicPr>
             <a:picLocks noChangeAspect="1"/>
           </p:cNvPicPr>
@@ -1844,37 +1803,7 @@
         </p:blipFill>
         <p:spPr>
           <a:xfrm>
-            <a:off x="2079270" y="4452191"/>
-            <a:ext cx="1015507" cy="571156"/>
-          </a:xfrm>
-          <a:prstGeom prst="rect">
-            <a:avLst/>
-          </a:prstGeom>
-        </p:spPr>
-      </p:pic>
-      <p:pic>
-        <p:nvPicPr>
-          <p:cNvPr id="25" name="图片 24"/>
-          <p:cNvPicPr>
-            <a:picLocks noChangeAspect="1"/>
-          </p:cNvPicPr>
-          <p:nvPr/>
-        </p:nvPicPr>
-        <p:blipFill>
-          <a:blip r:embed="rId4" cstate="print">
-            <a:extLst>
-              <a:ext uri="{28A0092B-C50C-407E-A947-70E740481C1C}">
-                <a14:useLocalDpi xmlns:a14="http://schemas.microsoft.com/office/drawing/2010/main" val="0"/>
-              </a:ext>
-            </a:extLst>
-          </a:blip>
-          <a:stretch>
-            <a:fillRect/>
-          </a:stretch>
-        </p:blipFill>
-        <p:spPr>
-          <a:xfrm>
-            <a:off x="6828314" y="4452191"/>
+            <a:off x="4652169" y="4623641"/>
             <a:ext cx="1015508" cy="571156"/>
           </a:xfrm>
           <a:prstGeom prst="rect">
@@ -2826,152 +2755,6 @@
                                   </p:childTnLst>
                                 </p:cTn>
                               </p:par>
-                              <p:par>
-                                <p:cTn id="31" presetID="2" presetClass="entr" presetSubtype="4" fill="hold" nodeType="withEffect">
-                                  <p:stCondLst>
-                                    <p:cond delay="0"/>
-                                  </p:stCondLst>
-                                  <p:childTnLst>
-                                    <p:set>
-                                      <p:cBhvr>
-                                        <p:cTn id="32" dur="1" fill="hold">
-                                          <p:stCondLst>
-                                            <p:cond delay="0"/>
-                                          </p:stCondLst>
-                                        </p:cTn>
-                                        <p:tgtEl>
-                                          <p:spTgt spid="23"/>
-                                        </p:tgtEl>
-                                        <p:attrNameLst>
-                                          <p:attrName>style.visibility</p:attrName>
-                                        </p:attrNameLst>
-                                      </p:cBhvr>
-                                      <p:to>
-                                        <p:strVal val="visible"/>
-                                      </p:to>
-                                    </p:set>
-                                    <p:anim calcmode="lin" valueType="num">
-                                      <p:cBhvr additive="base">
-                                        <p:cTn id="33" dur="500" fill="hold"/>
-                                        <p:tgtEl>
-                                          <p:spTgt spid="23"/>
-                                        </p:tgtEl>
-                                        <p:attrNameLst>
-                                          <p:attrName>ppt_x</p:attrName>
-                                        </p:attrNameLst>
-                                      </p:cBhvr>
-                                      <p:tavLst>
-                                        <p:tav tm="0">
-                                          <p:val>
-                                            <p:strVal val="#ppt_x"/>
-                                          </p:val>
-                                        </p:tav>
-                                        <p:tav tm="100000">
-                                          <p:val>
-                                            <p:strVal val="#ppt_x"/>
-                                          </p:val>
-                                        </p:tav>
-                                      </p:tavLst>
-                                    </p:anim>
-                                    <p:anim calcmode="lin" valueType="num">
-                                      <p:cBhvr additive="base">
-                                        <p:cTn id="34" dur="500" fill="hold"/>
-                                        <p:tgtEl>
-                                          <p:spTgt spid="23"/>
-                                        </p:tgtEl>
-                                        <p:attrNameLst>
-                                          <p:attrName>ppt_y</p:attrName>
-                                        </p:attrNameLst>
-                                      </p:cBhvr>
-                                      <p:tavLst>
-                                        <p:tav tm="0">
-                                          <p:val>
-                                            <p:strVal val="1+#ppt_h/2"/>
-                                          </p:val>
-                                        </p:tav>
-                                        <p:tav tm="100000">
-                                          <p:val>
-                                            <p:strVal val="#ppt_y"/>
-                                          </p:val>
-                                        </p:tav>
-                                      </p:tavLst>
-                                    </p:anim>
-                                  </p:childTnLst>
-                                </p:cTn>
-                              </p:par>
-                              <p:par>
-                                <p:cTn id="35" presetID="2" presetClass="entr" presetSubtype="4" fill="hold" grpId="0" nodeType="withEffect">
-                                  <p:stCondLst>
-                                    <p:cond delay="0"/>
-                                  </p:stCondLst>
-                                  <p:childTnLst>
-                                    <p:set>
-                                      <p:cBhvr>
-                                        <p:cTn id="36" dur="1" fill="hold">
-                                          <p:stCondLst>
-                                            <p:cond delay="0"/>
-                                          </p:stCondLst>
-                                        </p:cTn>
-                                        <p:tgtEl>
-                                          <p:spTgt spid="21"/>
-                                        </p:tgtEl>
-                                        <p:attrNameLst>
-                                          <p:attrName>style.visibility</p:attrName>
-                                        </p:attrNameLst>
-                                      </p:cBhvr>
-                                      <p:to>
-                                        <p:strVal val="visible"/>
-                                      </p:to>
-                                    </p:set>
-                                    <p:anim calcmode="lin" valueType="num">
-                                      <p:cBhvr additive="base">
-                                        <p:cTn id="37" dur="500" fill="hold"/>
-                                        <p:tgtEl>
-                                          <p:spTgt spid="21"/>
-                                        </p:tgtEl>
-                                        <p:attrNameLst>
-                                          <p:attrName>ppt_x</p:attrName>
-                                        </p:attrNameLst>
-                                      </p:cBhvr>
-                                      <p:tavLst>
-                                        <p:tav tm="0">
-                                          <p:val>
-                                            <p:strVal val="#ppt_x"/>
-                                          </p:val>
-                                        </p:tav>
-                                        <p:tav tm="100000">
-                                          <p:val>
-                                            <p:strVal val="#ppt_x"/>
-                                          </p:val>
-                                        </p:tav>
-                                      </p:tavLst>
-                                    </p:anim>
-                                    <p:anim calcmode="lin" valueType="num">
-                                      <p:cBhvr additive="base">
-                                        <p:cTn id="38" dur="500" fill="hold"/>
-                                        <p:tgtEl>
-                                          <p:spTgt spid="21"/>
-                                        </p:tgtEl>
-                                        <p:attrNameLst>
-                                          <p:attrName>ppt_y</p:attrName>
-                                        </p:attrNameLst>
-                                      </p:cBhvr>
-                                      <p:tavLst>
-                                        <p:tav tm="0">
-                                          <p:val>
-                                            <p:strVal val="1+#ppt_h/2"/>
-                                          </p:val>
-                                        </p:tav>
-                                        <p:tav tm="100000">
-                                          <p:val>
-                                            <p:strVal val="#ppt_y"/>
-                                          </p:val>
-                                        </p:tav>
-                                      </p:tavLst>
-                                    </p:anim>
-                                  </p:childTnLst>
-                                </p:cTn>
-                              </p:par>
                             </p:childTnLst>
                           </p:cTn>
                         </p:par>
@@ -3002,7 +2785,6 @@
     <p:bldLst>
       <p:bldP spid="17" grpId="0"/>
       <p:bldP spid="20" grpId="0"/>
-      <p:bldP spid="21" grpId="0"/>
     </p:bldLst>
   </p:timing>
 </p:sld>
@@ -3305,6 +3087,7 @@
         </p:nvPicPr>
         <p:blipFill>
           <a:blip r:embed="rId1"/>
+          <a:srcRect r="11538"/>
           <a:stretch>
             <a:fillRect/>
           </a:stretch>
@@ -3312,7 +3095,7 @@
         <p:spPr>
           <a:xfrm>
             <a:off x="3803650" y="1979295"/>
-            <a:ext cx="4578985" cy="4649470"/>
+            <a:ext cx="4050665" cy="4649470"/>
           </a:xfrm>
           <a:prstGeom prst="rect">
             <a:avLst/>
@@ -4127,31 +3910,6 @@
           </a:prstGeom>
         </p:spPr>
       </p:pic>
-      <p:pic>
-        <p:nvPicPr>
-          <p:cNvPr id="3" name="图片 2"/>
-          <p:cNvPicPr>
-            <a:picLocks noChangeAspect="1"/>
-          </p:cNvPicPr>
-          <p:nvPr/>
-        </p:nvPicPr>
-        <p:blipFill>
-          <a:blip r:embed="rId2"/>
-          <a:srcRect t="936"/>
-          <a:stretch>
-            <a:fillRect/>
-          </a:stretch>
-        </p:blipFill>
-        <p:spPr>
-          <a:xfrm>
-            <a:off x="6764655" y="2185035"/>
-            <a:ext cx="4372610" cy="4337050"/>
-          </a:xfrm>
-          <a:prstGeom prst="rect">
-            <a:avLst/>
-          </a:prstGeom>
-        </p:spPr>
-      </p:pic>
       <p:sp>
         <p:nvSpPr>
           <p:cNvPr id="10" name="椭圆 9"/>
@@ -4208,6 +3966,38 @@
           </a:p>
         </p:txBody>
       </p:sp>
+      <p:pic>
+        <p:nvPicPr>
+          <p:cNvPr id="41" name="图片 25"/>
+          <p:cNvPicPr>
+            <a:picLocks noChangeAspect="1"/>
+          </p:cNvPicPr>
+          <p:nvPr>
+            <p:custDataLst>
+              <p:tags r:id="rId2"/>
+            </p:custDataLst>
+          </p:nvPr>
+        </p:nvPicPr>
+        <p:blipFill>
+          <a:blip r:embed="rId3"/>
+          <a:stretch>
+            <a:fillRect/>
+          </a:stretch>
+        </p:blipFill>
+        <p:spPr>
+          <a:xfrm>
+            <a:off x="6657340" y="2045970"/>
+            <a:ext cx="4759960" cy="4425950"/>
+          </a:xfrm>
+          <a:prstGeom prst="rect">
+            <a:avLst/>
+          </a:prstGeom>
+          <a:noFill/>
+          <a:ln>
+            <a:noFill/>
+          </a:ln>
+        </p:spPr>
+      </p:pic>
     </p:spTree>
   </p:cSld>
   <p:clrMapOvr>
@@ -4801,6 +4591,555 @@
 </file>
 
 <file path=ppt/slides/slide12.xml><?xml version="1.0" encoding="utf-8"?>
+<p:sld xmlns:a="http://schemas.openxmlformats.org/drawingml/2006/main" xmlns:r="http://schemas.openxmlformats.org/officeDocument/2006/relationships" xmlns:p="http://schemas.openxmlformats.org/presentationml/2006/main">
+  <p:cSld>
+    <p:spTree>
+      <p:nvGrpSpPr>
+        <p:cNvPr id="1" name=""/>
+        <p:cNvGrpSpPr/>
+        <p:nvPr/>
+      </p:nvGrpSpPr>
+      <p:grpSpPr>
+        <a:xfrm>
+          <a:off x="0" y="0"/>
+          <a:ext cx="0" cy="0"/>
+          <a:chOff x="0" y="0"/>
+          <a:chExt cx="0" cy="0"/>
+        </a:xfrm>
+      </p:grpSpPr>
+      <p:sp>
+        <p:nvSpPr>
+          <p:cNvPr id="7" name="TextBox 33"/>
+          <p:cNvSpPr txBox="1"/>
+          <p:nvPr/>
+        </p:nvSpPr>
+        <p:spPr>
+          <a:xfrm>
+            <a:off x="1060701" y="1061049"/>
+            <a:ext cx="10076967" cy="876935"/>
+          </a:xfrm>
+          <a:prstGeom prst="rect">
+            <a:avLst/>
+          </a:prstGeom>
+          <a:noFill/>
+        </p:spPr>
+        <p:txBody>
+          <a:bodyPr wrap="square" lIns="0" tIns="0" rIns="0" bIns="0" rtlCol="0">
+            <a:spAutoFit/>
+          </a:bodyPr>
+          <a:lstStyle/>
+          <a:p>
+            <a:pPr>
+              <a:lnSpc>
+                <a:spcPct val="150000"/>
+              </a:lnSpc>
+            </a:pPr>
+            <a:r>
+              <a:rPr lang="zh-CN" altLang="en-US" sz="2000" b="1" dirty="0">
+                <a:solidFill>
+                  <a:srgbClr val="555555"/>
+                </a:solidFill>
+                <a:cs typeface="+mn-ea"/>
+                <a:sym typeface="+mn-lt"/>
+              </a:rPr>
+              <a:t>上报错误及登录注册</a:t>
+            </a:r>
+            <a:endParaRPr lang="zh-CN" altLang="en-US" sz="2000" b="1" dirty="0">
+              <a:solidFill>
+                <a:srgbClr val="555555"/>
+              </a:solidFill>
+              <a:cs typeface="+mn-ea"/>
+              <a:sym typeface="+mn-lt"/>
+            </a:endParaRPr>
+          </a:p>
+          <a:p>
+            <a:pPr>
+              <a:lnSpc>
+                <a:spcPct val="150000"/>
+              </a:lnSpc>
+            </a:pPr>
+            <a:r>
+              <a:rPr lang="zh-CN" altLang="en-US" b="1" dirty="0">
+                <a:solidFill>
+                  <a:srgbClr val="555555"/>
+                </a:solidFill>
+                <a:cs typeface="+mn-ea"/>
+                <a:sym typeface="+mn-lt"/>
+              </a:rPr>
+              <a:t>        用户可以通过“我要纠错”进行错误的上报，但需进行注册登陆。</a:t>
+            </a:r>
+            <a:endParaRPr lang="zh-CN" altLang="en-US" b="1" dirty="0">
+              <a:solidFill>
+                <a:srgbClr val="555555"/>
+              </a:solidFill>
+              <a:cs typeface="+mn-ea"/>
+              <a:sym typeface="+mn-lt"/>
+            </a:endParaRPr>
+          </a:p>
+        </p:txBody>
+      </p:sp>
+      <p:sp>
+        <p:nvSpPr>
+          <p:cNvPr id="16" name="TextBox 42"/>
+          <p:cNvSpPr txBox="1"/>
+          <p:nvPr/>
+        </p:nvSpPr>
+        <p:spPr>
+          <a:xfrm>
+            <a:off x="1311470" y="306438"/>
+            <a:ext cx="3944022" cy="553998"/>
+          </a:xfrm>
+          <a:prstGeom prst="rect">
+            <a:avLst/>
+          </a:prstGeom>
+          <a:noFill/>
+          <a:ln>
+            <a:noFill/>
+          </a:ln>
+        </p:spPr>
+        <p:txBody>
+          <a:bodyPr vert="horz" wrap="square" lIns="0" tIns="0" rIns="0" bIns="0" numCol="1" anchor="t" anchorCtr="0" compatLnSpc="1">
+            <a:spAutoFit/>
+          </a:bodyPr>
+          <a:lstStyle>
+            <a:defPPr>
+              <a:defRPr lang="zh-CN"/>
+            </a:defPPr>
+            <a:lvl1pPr marL="0" marR="0" lvl="0" indent="0" defTabSz="914400" eaLnBrk="1" latinLnBrk="0" hangingPunct="1">
+              <a:lnSpc>
+                <a:spcPct val="100000"/>
+              </a:lnSpc>
+              <a:buClrTx/>
+              <a:buSzTx/>
+              <a:buFontTx/>
+              <a:buNone/>
+              <a:defRPr kumimoji="0" sz="2800" b="1" i="0" u="none" strike="noStrike" cap="none" normalizeH="0" baseline="0">
+                <a:ln>
+                  <a:noFill/>
+                </a:ln>
+                <a:effectLst/>
+                <a:latin typeface="微软雅黑" panose="020B0503020204020204" pitchFamily="34" charset="-122"/>
+                <a:ea typeface="微软雅黑" panose="020B0503020204020204" pitchFamily="34" charset="-122"/>
+                <a:cs typeface="宋体" panose="02010600030101010101" pitchFamily="2" charset="-122"/>
+              </a:defRPr>
+            </a:lvl1pPr>
+          </a:lstStyle>
+          <a:p>
+            <a:r>
+              <a:rPr lang="zh-CN" altLang="en-US" sz="3600" dirty="0">
+                <a:solidFill>
+                  <a:srgbClr val="444444"/>
+                </a:solidFill>
+                <a:cs typeface="+mn-ea"/>
+                <a:sym typeface="+mn-lt"/>
+              </a:rPr>
+              <a:t>三</a:t>
+            </a:r>
+            <a:r>
+              <a:rPr lang="zh-CN" altLang="en-US" sz="3600" dirty="0" smtClean="0">
+                <a:solidFill>
+                  <a:srgbClr val="444444"/>
+                </a:solidFill>
+                <a:latin typeface="+mn-lt"/>
+                <a:ea typeface="+mn-ea"/>
+                <a:cs typeface="+mn-ea"/>
+                <a:sym typeface="+mn-lt"/>
+              </a:rPr>
+              <a:t>、功能</a:t>
+            </a:r>
+            <a:r>
+              <a:rPr lang="zh-CN" altLang="en-US" sz="3600" dirty="0">
+                <a:solidFill>
+                  <a:srgbClr val="444444"/>
+                </a:solidFill>
+                <a:latin typeface="+mn-lt"/>
+                <a:ea typeface="+mn-ea"/>
+                <a:cs typeface="+mn-ea"/>
+                <a:sym typeface="+mn-lt"/>
+              </a:rPr>
+              <a:t>模块设计</a:t>
+            </a:r>
+            <a:endParaRPr lang="zh-CN" altLang="en-US" sz="3600" dirty="0">
+              <a:solidFill>
+                <a:srgbClr val="444444"/>
+              </a:solidFill>
+              <a:latin typeface="+mn-lt"/>
+              <a:ea typeface="+mn-ea"/>
+              <a:cs typeface="+mn-ea"/>
+              <a:sym typeface="+mn-lt"/>
+            </a:endParaRPr>
+          </a:p>
+        </p:txBody>
+      </p:sp>
+      <p:sp>
+        <p:nvSpPr>
+          <p:cNvPr id="6" name="椭圆 5"/>
+          <p:cNvSpPr/>
+          <p:nvPr/>
+        </p:nvSpPr>
+        <p:spPr>
+          <a:xfrm>
+            <a:off x="261419" y="1060926"/>
+            <a:ext cx="640210" cy="640210"/>
+          </a:xfrm>
+          <a:prstGeom prst="ellipse">
+            <a:avLst/>
+          </a:prstGeom>
+          <a:solidFill>
+            <a:srgbClr val="344F66"/>
+          </a:solidFill>
+          <a:ln>
+            <a:noFill/>
+          </a:ln>
+        </p:spPr>
+        <p:style>
+          <a:lnRef idx="2">
+            <a:schemeClr val="accent1">
+              <a:shade val="50000"/>
+            </a:schemeClr>
+          </a:lnRef>
+          <a:fillRef idx="1">
+            <a:schemeClr val="accent1"/>
+          </a:fillRef>
+          <a:effectRef idx="0">
+            <a:schemeClr val="accent1"/>
+          </a:effectRef>
+          <a:fontRef idx="minor">
+            <a:schemeClr val="lt1"/>
+          </a:fontRef>
+        </p:style>
+        <p:txBody>
+          <a:bodyPr rtlCol="0" anchor="ctr"/>
+          <a:p>
+            <a:pPr algn="ctr"/>
+            <a:r>
+              <a:rPr lang="en-US" altLang="zh-CN" sz="3200" b="1" dirty="0">
+                <a:cs typeface="+mn-ea"/>
+                <a:sym typeface="+mn-lt"/>
+              </a:rPr>
+              <a:t>7</a:t>
+            </a:r>
+            <a:endParaRPr lang="en-US" altLang="zh-CN" sz="3200" b="1" dirty="0">
+              <a:cs typeface="+mn-ea"/>
+              <a:sym typeface="+mn-lt"/>
+            </a:endParaRPr>
+          </a:p>
+        </p:txBody>
+      </p:sp>
+      <p:pic>
+        <p:nvPicPr>
+          <p:cNvPr id="-2147482461" name="图片 27"/>
+          <p:cNvPicPr>
+            <a:picLocks noChangeAspect="1"/>
+          </p:cNvPicPr>
+          <p:nvPr/>
+        </p:nvPicPr>
+        <p:blipFill>
+          <a:blip r:embed="rId1"/>
+          <a:stretch>
+            <a:fillRect/>
+          </a:stretch>
+        </p:blipFill>
+        <p:spPr>
+          <a:xfrm>
+            <a:off x="1060133" y="2462213"/>
+            <a:ext cx="1090295" cy="835025"/>
+          </a:xfrm>
+          <a:prstGeom prst="rect">
+            <a:avLst/>
+          </a:prstGeom>
+          <a:noFill/>
+          <a:ln w="9525">
+            <a:noFill/>
+          </a:ln>
+        </p:spPr>
+      </p:pic>
+      <p:pic>
+        <p:nvPicPr>
+          <p:cNvPr id="-2147482460" name="图片 29"/>
+          <p:cNvPicPr>
+            <a:picLocks noChangeAspect="1"/>
+          </p:cNvPicPr>
+          <p:nvPr/>
+        </p:nvPicPr>
+        <p:blipFill>
+          <a:blip r:embed="rId2"/>
+          <a:stretch>
+            <a:fillRect/>
+          </a:stretch>
+        </p:blipFill>
+        <p:spPr>
+          <a:xfrm>
+            <a:off x="3340100" y="2745105"/>
+            <a:ext cx="3315970" cy="3177540"/>
+          </a:xfrm>
+          <a:prstGeom prst="rect">
+            <a:avLst/>
+          </a:prstGeom>
+          <a:noFill/>
+          <a:ln w="9525">
+            <a:noFill/>
+          </a:ln>
+        </p:spPr>
+      </p:pic>
+      <p:pic>
+        <p:nvPicPr>
+          <p:cNvPr id="-2147482459" name="图片 28"/>
+          <p:cNvPicPr>
+            <a:picLocks noChangeAspect="1"/>
+          </p:cNvPicPr>
+          <p:nvPr/>
+        </p:nvPicPr>
+        <p:blipFill>
+          <a:blip r:embed="rId3"/>
+          <a:stretch>
+            <a:fillRect/>
+          </a:stretch>
+        </p:blipFill>
+        <p:spPr>
+          <a:xfrm>
+            <a:off x="7734935" y="2285365"/>
+            <a:ext cx="3498850" cy="3154680"/>
+          </a:xfrm>
+          <a:prstGeom prst="rect">
+            <a:avLst/>
+          </a:prstGeom>
+          <a:noFill/>
+          <a:ln w="9525">
+            <a:noFill/>
+          </a:ln>
+        </p:spPr>
+      </p:pic>
+    </p:spTree>
+  </p:cSld>
+  <p:clrMapOvr>
+    <a:masterClrMapping/>
+  </p:clrMapOvr>
+  <mc:AlternateContent xmlns:mc="http://schemas.openxmlformats.org/markup-compatibility/2006">
+    <mc:Choice xmlns:p14="http://schemas.microsoft.com/office/powerpoint/2010/main" Requires="p14">
+      <p:transition spd="slow" p14:dur="1600">
+        <p14:conveyor dir="l"/>
+      </p:transition>
+    </mc:Choice>
+    <mc:Fallback>
+      <p:transition spd="slow">
+        <p:fade/>
+      </p:transition>
+    </mc:Fallback>
+  </mc:AlternateContent>
+  <p:timing>
+    <p:tnLst>
+      <p:par>
+        <p:cTn id="1" dur="indefinite" restart="never" nodeType="tmRoot">
+          <p:childTnLst>
+            <p:seq concurrent="1" nextAc="seek">
+              <p:cTn id="2" dur="indefinite" nodeType="mainSeq">
+                <p:childTnLst>
+                  <p:par>
+                    <p:cTn id="3" fill="hold">
+                      <p:stCondLst>
+                        <p:cond delay="indefinite"/>
+                        <p:cond evt="onBegin" delay="0">
+                          <p:tn val="2"/>
+                        </p:cond>
+                      </p:stCondLst>
+                      <p:childTnLst>
+                        <p:par>
+                          <p:cTn id="4" fill="hold">
+                            <p:stCondLst>
+                              <p:cond delay="0"/>
+                            </p:stCondLst>
+                            <p:childTnLst>
+                              <p:par>
+                                <p:cTn id="5" presetID="17" presetClass="entr" presetSubtype="8" fill="hold" grpId="0" nodeType="afterEffect">
+                                  <p:stCondLst>
+                                    <p:cond delay="0"/>
+                                  </p:stCondLst>
+                                  <p:childTnLst>
+                                    <p:set>
+                                      <p:cBhvr>
+                                        <p:cTn id="6" dur="1" fill="hold">
+                                          <p:stCondLst>
+                                            <p:cond delay="0"/>
+                                          </p:stCondLst>
+                                        </p:cTn>
+                                        <p:tgtEl>
+                                          <p:spTgt spid="16"/>
+                                        </p:tgtEl>
+                                        <p:attrNameLst>
+                                          <p:attrName>style.visibility</p:attrName>
+                                        </p:attrNameLst>
+                                      </p:cBhvr>
+                                      <p:to>
+                                        <p:strVal val="visible"/>
+                                      </p:to>
+                                    </p:set>
+                                    <p:anim calcmode="lin" valueType="num">
+                                      <p:cBhvr>
+                                        <p:cTn id="7" dur="500" fill="hold"/>
+                                        <p:tgtEl>
+                                          <p:spTgt spid="16"/>
+                                        </p:tgtEl>
+                                        <p:attrNameLst>
+                                          <p:attrName>ppt_x</p:attrName>
+                                        </p:attrNameLst>
+                                      </p:cBhvr>
+                                      <p:tavLst>
+                                        <p:tav tm="0">
+                                          <p:val>
+                                            <p:strVal val="#ppt_x-#ppt_w/2"/>
+                                          </p:val>
+                                        </p:tav>
+                                        <p:tav tm="100000">
+                                          <p:val>
+                                            <p:strVal val="#ppt_x"/>
+                                          </p:val>
+                                        </p:tav>
+                                      </p:tavLst>
+                                    </p:anim>
+                                    <p:anim calcmode="lin" valueType="num">
+                                      <p:cBhvr>
+                                        <p:cTn id="8" dur="500" fill="hold"/>
+                                        <p:tgtEl>
+                                          <p:spTgt spid="16"/>
+                                        </p:tgtEl>
+                                        <p:attrNameLst>
+                                          <p:attrName>ppt_y</p:attrName>
+                                        </p:attrNameLst>
+                                      </p:cBhvr>
+                                      <p:tavLst>
+                                        <p:tav tm="0">
+                                          <p:val>
+                                            <p:strVal val="#ppt_y"/>
+                                          </p:val>
+                                        </p:tav>
+                                        <p:tav tm="100000">
+                                          <p:val>
+                                            <p:strVal val="#ppt_y"/>
+                                          </p:val>
+                                        </p:tav>
+                                      </p:tavLst>
+                                    </p:anim>
+                                    <p:anim calcmode="lin" valueType="num">
+                                      <p:cBhvr>
+                                        <p:cTn id="9" dur="500" fill="hold"/>
+                                        <p:tgtEl>
+                                          <p:spTgt spid="16"/>
+                                        </p:tgtEl>
+                                        <p:attrNameLst>
+                                          <p:attrName>ppt_w</p:attrName>
+                                        </p:attrNameLst>
+                                      </p:cBhvr>
+                                      <p:tavLst>
+                                        <p:tav tm="0">
+                                          <p:val>
+                                            <p:fltVal val="0"/>
+                                          </p:val>
+                                        </p:tav>
+                                        <p:tav tm="100000">
+                                          <p:val>
+                                            <p:strVal val="#ppt_w"/>
+                                          </p:val>
+                                        </p:tav>
+                                      </p:tavLst>
+                                    </p:anim>
+                                    <p:anim calcmode="lin" valueType="num">
+                                      <p:cBhvr>
+                                        <p:cTn id="10" dur="500" fill="hold"/>
+                                        <p:tgtEl>
+                                          <p:spTgt spid="16"/>
+                                        </p:tgtEl>
+                                        <p:attrNameLst>
+                                          <p:attrName>ppt_h</p:attrName>
+                                        </p:attrNameLst>
+                                      </p:cBhvr>
+                                      <p:tavLst>
+                                        <p:tav tm="0">
+                                          <p:val>
+                                            <p:strVal val="#ppt_h"/>
+                                          </p:val>
+                                        </p:tav>
+                                        <p:tav tm="100000">
+                                          <p:val>
+                                            <p:strVal val="#ppt_h"/>
+                                          </p:val>
+                                        </p:tav>
+                                      </p:tavLst>
+                                    </p:anim>
+                                  </p:childTnLst>
+                                </p:cTn>
+                              </p:par>
+                              <p:par>
+                                <p:cTn id="11" presetID="22" presetClass="entr" presetSubtype="8" fill="hold" grpId="0" nodeType="withEffect">
+                                  <p:stCondLst>
+                                    <p:cond delay="600"/>
+                                  </p:stCondLst>
+                                  <p:childTnLst>
+                                    <p:set>
+                                      <p:cBhvr>
+                                        <p:cTn id="12" dur="1" fill="hold">
+                                          <p:stCondLst>
+                                            <p:cond delay="0"/>
+                                          </p:stCondLst>
+                                        </p:cTn>
+                                        <p:tgtEl>
+                                          <p:spTgt spid="7"/>
+                                        </p:tgtEl>
+                                        <p:attrNameLst>
+                                          <p:attrName>style.visibility</p:attrName>
+                                        </p:attrNameLst>
+                                      </p:cBhvr>
+                                      <p:to>
+                                        <p:strVal val="visible"/>
+                                      </p:to>
+                                    </p:set>
+                                    <p:animEffect transition="in" filter="wipe(left)">
+                                      <p:cBhvr>
+                                        <p:cTn id="13" dur="700"/>
+                                        <p:tgtEl>
+                                          <p:spTgt spid="7"/>
+                                        </p:tgtEl>
+                                      </p:cBhvr>
+                                    </p:animEffect>
+                                  </p:childTnLst>
+                                </p:cTn>
+                              </p:par>
+                            </p:childTnLst>
+                          </p:cTn>
+                        </p:par>
+                      </p:childTnLst>
+                    </p:cTn>
+                  </p:par>
+                </p:childTnLst>
+              </p:cTn>
+              <p:prevCondLst>
+                <p:cond evt="onPrev" delay="0">
+                  <p:tgtEl>
+                    <p:sldTgt/>
+                  </p:tgtEl>
+                </p:cond>
+              </p:prevCondLst>
+              <p:nextCondLst>
+                <p:cond evt="onNext" delay="0">
+                  <p:tgtEl>
+                    <p:sldTgt/>
+                  </p:tgtEl>
+                </p:cond>
+              </p:nextCondLst>
+            </p:seq>
+          </p:childTnLst>
+        </p:cTn>
+      </p:par>
+    </p:tnLst>
+    <p:bldLst>
+      <p:bldP spid="7" grpId="0"/>
+      <p:bldP spid="16" grpId="0"/>
+    </p:bldLst>
+  </p:timing>
+</p:sld>
+</file>
+
+<file path=ppt/slides/slide13.xml><?xml version="1.0" encoding="utf-8"?>
 <p:sld xmlns:a="http://schemas.openxmlformats.org/drawingml/2006/main" xmlns:r="http://schemas.openxmlformats.org/officeDocument/2006/relationships" xmlns:p="http://schemas.openxmlformats.org/presentationml/2006/main">
   <p:cSld>
     <p:spTree>
@@ -6731,7 +7070,7 @@
 </p:sld>
 </file>
 
-<file path=ppt/slides/slide13.xml><?xml version="1.0" encoding="utf-8"?>
+<file path=ppt/slides/slide14.xml><?xml version="1.0" encoding="utf-8"?>
 <p:sld xmlns:a="http://schemas.openxmlformats.org/drawingml/2006/main" xmlns:r="http://schemas.openxmlformats.org/officeDocument/2006/relationships" xmlns:p="http://schemas.openxmlformats.org/presentationml/2006/main">
   <p:cSld>
     <p:spTree>
@@ -12263,7 +12602,7 @@
                 <a:cs typeface="+mn-ea"/>
                 <a:sym typeface="+mn-lt"/>
               </a:rPr>
-              <a:t>系统是服务用户，满足</a:t>
+              <a:t>系统是为服务用户，满足</a:t>
             </a:r>
             <a:r>
               <a:rPr lang="zh-CN" altLang="en-US" sz="2000" dirty="0" smtClean="0">
@@ -22394,6 +22733,12 @@
 </p:tagLst>
 </file>
 
+<file path=ppt/tags/tag2.xml><?xml version="1.0" encoding="utf-8"?>
+<p:tagLst xmlns:p="http://schemas.openxmlformats.org/presentationml/2006/main">
+  <p:tag name="KSO_WM_UNIT_PLACING_PICTURE_USER_VIEWPORT" val="{&quot;height&quot;:7399,&quot;width&quot;:7959}"/>
+</p:tagLst>
+</file>
+
 <file path=ppt/theme/theme1.xml><?xml version="1.0" encoding="utf-8"?>
 <a:theme xmlns:a="http://schemas.openxmlformats.org/drawingml/2006/main" name="Office 主题​​">
   <a:themeElements>
